--- a/PentestFW.pptx
+++ b/PentestFW.pptx
@@ -451,7 +451,7 @@
             <a:fld id="{B61BEF0D-F0BB-DE4B-95CE-6DB70DBA9567}" type="datetimeFigureOut">
               <a:rPr lang="en-US" dirty="0"/>
               <a:pPr/>
-              <a:t>4/14/2024</a:t>
+              <a:t>4/15/2024</a:t>
             </a:fld>
             <a:endParaRPr lang="en-US" dirty="0"/>
           </a:p>
@@ -772,7 +772,7 @@
             <a:fld id="{B61BEF0D-F0BB-DE4B-95CE-6DB70DBA9567}" type="datetimeFigureOut">
               <a:rPr lang="en-US" dirty="0"/>
               <a:pPr/>
-              <a:t>4/14/2024</a:t>
+              <a:t>4/15/2024</a:t>
             </a:fld>
             <a:endParaRPr lang="en-US" dirty="0"/>
           </a:p>
@@ -1017,7 +1017,7 @@
             <a:fld id="{B61BEF0D-F0BB-DE4B-95CE-6DB70DBA9567}" type="datetimeFigureOut">
               <a:rPr lang="en-US" dirty="0"/>
               <a:pPr/>
-              <a:t>4/14/2024</a:t>
+              <a:t>4/15/2024</a:t>
             </a:fld>
             <a:endParaRPr lang="en-US" dirty="0"/>
           </a:p>
@@ -1353,7 +1353,7 @@
             <a:fld id="{B61BEF0D-F0BB-DE4B-95CE-6DB70DBA9567}" type="datetimeFigureOut">
               <a:rPr lang="en-US" dirty="0"/>
               <a:pPr/>
-              <a:t>4/14/2024</a:t>
+              <a:t>4/15/2024</a:t>
             </a:fld>
             <a:endParaRPr lang="en-US" dirty="0"/>
           </a:p>
@@ -1697,7 +1697,7 @@
             <a:fld id="{B61BEF0D-F0BB-DE4B-95CE-6DB70DBA9567}" type="datetimeFigureOut">
               <a:rPr lang="en-US" dirty="0"/>
               <a:pPr/>
-              <a:t>4/14/2024</a:t>
+              <a:t>4/15/2024</a:t>
             </a:fld>
             <a:endParaRPr lang="en-US" dirty="0"/>
           </a:p>
@@ -2068,7 +2068,7 @@
             <a:fld id="{B61BEF0D-F0BB-DE4B-95CE-6DB70DBA9567}" type="datetimeFigureOut">
               <a:rPr lang="en-US" dirty="0"/>
               <a:pPr/>
-              <a:t>4/14/2024</a:t>
+              <a:t>4/15/2024</a:t>
             </a:fld>
             <a:endParaRPr lang="en-US" dirty="0"/>
           </a:p>
@@ -2535,7 +2535,7 @@
             <a:fld id="{B61BEF0D-F0BB-DE4B-95CE-6DB70DBA9567}" type="datetimeFigureOut">
               <a:rPr lang="en-US" dirty="0"/>
               <a:pPr/>
-              <a:t>4/14/2024</a:t>
+              <a:t>4/15/2024</a:t>
             </a:fld>
             <a:endParaRPr lang="en-US" dirty="0"/>
           </a:p>
@@ -2737,7 +2737,7 @@
             <a:fld id="{B61BEF0D-F0BB-DE4B-95CE-6DB70DBA9567}" type="datetimeFigureOut">
               <a:rPr lang="en-US" dirty="0"/>
               <a:pPr/>
-              <a:t>4/14/2024</a:t>
+              <a:t>4/15/2024</a:t>
             </a:fld>
             <a:endParaRPr lang="en-US" dirty="0"/>
           </a:p>
@@ -2945,7 +2945,7 @@
             <a:fld id="{B61BEF0D-F0BB-DE4B-95CE-6DB70DBA9567}" type="datetimeFigureOut">
               <a:rPr lang="en-US" dirty="0"/>
               <a:pPr/>
-              <a:t>4/14/2024</a:t>
+              <a:t>4/15/2024</a:t>
             </a:fld>
             <a:endParaRPr lang="en-US" dirty="0"/>
           </a:p>
@@ -3173,7 +3173,7 @@
           <a:p>
             <a:fld id="{52647F38-B617-4D2F-AE0A-013F0C4D2C57}" type="datetimeFigureOut">
               <a:rPr lang="en-US" dirty="0"/>
-              <a:t>4/14/2024</a:t>
+              <a:t>4/15/2024</a:t>
             </a:fld>
             <a:endParaRPr lang="en-US" dirty="0"/>
           </a:p>
@@ -3417,7 +3417,7 @@
             <a:fld id="{B61BEF0D-F0BB-DE4B-95CE-6DB70DBA9567}" type="datetimeFigureOut">
               <a:rPr lang="en-US" dirty="0"/>
               <a:pPr/>
-              <a:t>4/14/2024</a:t>
+              <a:t>4/15/2024</a:t>
             </a:fld>
             <a:endParaRPr lang="en-US" dirty="0"/>
           </a:p>
@@ -3711,7 +3711,7 @@
           <a:p>
             <a:fld id="{05BFA754-D5C3-4E66-96A6-867B257F58DC}" type="datetimeFigureOut">
               <a:rPr lang="en-US" dirty="0"/>
-              <a:t>4/14/2024</a:t>
+              <a:t>4/15/2024</a:t>
             </a:fld>
             <a:endParaRPr lang="en-US" dirty="0"/>
           </a:p>
@@ -4101,7 +4101,7 @@
             <a:fld id="{B61BEF0D-F0BB-DE4B-95CE-6DB70DBA9567}" type="datetimeFigureOut">
               <a:rPr lang="en-US" dirty="0"/>
               <a:pPr/>
-              <a:t>4/14/2024</a:t>
+              <a:t>4/15/2024</a:t>
             </a:fld>
             <a:endParaRPr lang="en-US" dirty="0"/>
           </a:p>
@@ -4247,7 +4247,7 @@
             <a:fld id="{B61BEF0D-F0BB-DE4B-95CE-6DB70DBA9567}" type="datetimeFigureOut">
               <a:rPr lang="en-US" dirty="0"/>
               <a:pPr/>
-              <a:t>4/14/2024</a:t>
+              <a:t>4/15/2024</a:t>
             </a:fld>
             <a:endParaRPr lang="en-US" dirty="0"/>
           </a:p>
@@ -4370,7 +4370,7 @@
             <a:fld id="{B61BEF0D-F0BB-DE4B-95CE-6DB70DBA9567}" type="datetimeFigureOut">
               <a:rPr lang="en-US" dirty="0"/>
               <a:pPr/>
-              <a:t>4/14/2024</a:t>
+              <a:t>4/15/2024</a:t>
             </a:fld>
             <a:endParaRPr lang="en-US" dirty="0"/>
           </a:p>
@@ -4622,7 +4622,7 @@
             <a:fld id="{B61BEF0D-F0BB-DE4B-95CE-6DB70DBA9567}" type="datetimeFigureOut">
               <a:rPr lang="en-US" dirty="0"/>
               <a:pPr/>
-              <a:t>4/14/2024</a:t>
+              <a:t>4/15/2024</a:t>
             </a:fld>
             <a:endParaRPr lang="en-US" dirty="0"/>
           </a:p>
@@ -4934,7 +4934,7 @@
             <a:fld id="{B61BEF0D-F0BB-DE4B-95CE-6DB70DBA9567}" type="datetimeFigureOut">
               <a:rPr lang="en-US" dirty="0"/>
               <a:pPr/>
-              <a:t>4/14/2024</a:t>
+              <a:t>4/15/2024</a:t>
             </a:fld>
             <a:endParaRPr lang="en-US" dirty="0"/>
           </a:p>
@@ -5282,7 +5282,7 @@
             <a:fld id="{B61BEF0D-F0BB-DE4B-95CE-6DB70DBA9567}" type="datetimeFigureOut">
               <a:rPr lang="en-US" dirty="0"/>
               <a:pPr/>
-              <a:t>4/14/2024</a:t>
+              <a:t>4/15/2024</a:t>
             </a:fld>
             <a:endParaRPr lang="en-US" dirty="0"/>
           </a:p>
@@ -5861,7 +5861,15 @@
           <a:p>
             <a:r>
               <a:rPr lang="en-US" dirty="0" smtClean="0"/>
-              <a:t>A simple </a:t>
+              <a:t>A </a:t>
+            </a:r>
+            <a:r>
+              <a:rPr lang="en-US" dirty="0"/>
+              <a:t>S</a:t>
+            </a:r>
+            <a:r>
+              <a:rPr lang="en-US" dirty="0" smtClean="0"/>
+              <a:t>imple </a:t>
             </a:r>
             <a:r>
               <a:rPr lang="en-US" dirty="0"/>
@@ -5869,7 +5877,15 @@
             </a:r>
             <a:r>
               <a:rPr lang="en-US" dirty="0" smtClean="0"/>
-              <a:t>Framework written in Python</a:t>
+              <a:t>Framework </a:t>
+            </a:r>
+            <a:r>
+              <a:rPr lang="en-US" dirty="0" smtClean="0"/>
+              <a:t>Written </a:t>
+            </a:r>
+            <a:r>
+              <a:rPr lang="en-US" dirty="0" smtClean="0"/>
+              <a:t>in Python</a:t>
             </a:r>
             <a:endParaRPr lang="en-US" dirty="0"/>
           </a:p>
@@ -5966,15 +5982,7 @@
             </a:r>
             <a:r>
               <a:rPr lang="en-US" dirty="0" smtClean="0"/>
-              <a:t>a </a:t>
-            </a:r>
-            <a:r>
-              <a:rPr lang="en-US" dirty="0" smtClean="0"/>
-              <a:t>main script named pentestFW, </a:t>
-            </a:r>
-            <a:r>
-              <a:rPr lang="en-US" dirty="0" smtClean="0"/>
-              <a:t>multiple modules, and a database.</a:t>
+              <a:t>a main script named pentestFW, multiple modules, and a database.</a:t>
             </a:r>
             <a:endParaRPr lang="ar-IQ" dirty="0" smtClean="0"/>
           </a:p>
@@ -6475,11 +6483,7 @@
             </a:pPr>
             <a:r>
               <a:rPr lang="en-US" dirty="0" smtClean="0"/>
-              <a:t>This </a:t>
-            </a:r>
-            <a:r>
-              <a:rPr lang="en-US" dirty="0" smtClean="0"/>
-              <a:t>script is responsible for creating the database, the first user, and </a:t>
+              <a:t>This script is responsible for creating the database, the first user, and </a:t>
             </a:r>
             <a:r>
               <a:rPr lang="ar-IQ" dirty="0" smtClean="0"/>
@@ -8093,7 +8097,6 @@
               <a:rPr lang="en-US" dirty="0" smtClean="0"/>
               <a:t>started.</a:t>
             </a:r>
-            <a:endParaRPr lang="en-US" dirty="0" smtClean="0"/>
           </a:p>
         </p:txBody>
       </p:sp>
@@ -8756,7 +8759,7 @@
           <a:lstStyle/>
           <a:p>
             <a:r>
-              <a:rPr lang="en-US" smtClean="0"/>
+              <a:rPr lang="en-US" dirty="0" smtClean="0"/>
               <a:t>Thank You</a:t>
             </a:r>
             <a:endParaRPr lang="en-US" dirty="0"/>
